--- a/Quantium_NSW Transport Case Study_Kevin Tran.pptx
+++ b/Quantium_NSW Transport Case Study_Kevin Tran.pptx
@@ -505,6 +505,11 @@
         </p:txBody>
       </p:sp>
     </p:spTree>
+    <p:extLst>
+      <p:ext uri="{BB962C8B-B14F-4D97-AF65-F5344CB8AC3E}">
+        <p14:creationId xmlns:p14="http://schemas.microsoft.com/office/powerpoint/2010/main" val="1"/>
+      </p:ext>
+    </p:extLst>
   </p:cSld>
   <p:clrMap bg1="lt1" tx1="dk1" bg2="lt2" tx2="dk2" accent1="accent1" accent2="accent2" accent3="accent3" accent4="accent4" accent5="accent5" accent6="accent6" hlink="hlink" folHlink="folHlink"/>
 </p:handoutMaster>
@@ -693,7 +698,7 @@
             </a:extLst>
           </p:cNvPr>
           <p:cNvSpPr>
-            <a:spLocks noChangeArrowheads="1" noTextEdit="1"/>
+            <a:spLocks noGrp="1" noRot="1" noChangeAspect="1" noChangeArrowheads="1" noTextEdit="1"/>
           </p:cNvSpPr>
           <p:nvPr>
             <p:ph type="sldImg" idx="2"/>
@@ -1212,30 +1217,6 @@
           <a:bodyPr/>
           <a:lstStyle/>
           <a:p>
-            <a:r>
-              <a:rPr lang="en-GB" dirty="0"/>
-              <a:t>Hi my name is Kevin, and today I’ll present the NSW Transport Planning project. To understand our current challenge, we have to look at the massive disruption in how people move. As we can see, we are facing a situation where the Work-From-Home (WFH) rate increased five-fold between 2011 and 2021, skyrocketing from 6.4% to 32%. This is not just a temporary shift; it represents a permanent change in the 'rhythm' of our state. The core issue is that our current transport timetables and service schedules were built for a world before WFH shift. They are designed for a 'fixed' demand pattern that no longer exists. Because demand is now dictated by 'Work Flexibility,' our traditional models have become inefficient. Our goal is to move away from these legacy schedules and optimize our network to meet current and anticipated demand. By using data-driven insights, we can identify exactly where the gaps are between our existing services and the new reality of how NSW residents actually travel.</a:t>
-            </a:r>
-          </a:p>
-          <a:p>
-            <a:r>
-              <a:rPr lang="en-GB" dirty="0"/>
-              <a:t>To do this, I’ve conducted an extensive analysis of ABS data across two key time periods, specifically focusing on the relationship between where people live, where they work, and the modes of transport they choose. I did some data preprocessing steps by filtering out non-relevant answers like not working, no fixed address, or off-shore address. I’ve already documented these data and happy to discuss further if you have any question</a:t>
-            </a:r>
-          </a:p>
-          <a:p>
-            <a:r>
-              <a:rPr lang="en-GB" dirty="0"/>
-              <a:t>My analysis focuses on three key questions: the overall usage trends by transport types, the impact of WFH on transport planning, and where to prioritize new buses. Finally, I’ll discuss how </a:t>
-            </a:r>
-            <a:r>
-              <a:rPr lang="en-GB" dirty="0" err="1"/>
-              <a:t>CommBankiQ</a:t>
-            </a:r>
-            <a:r>
-              <a:rPr lang="en-GB" dirty="0"/>
-              <a:t> data can further supports the analysis of this project. </a:t>
-            </a:r>
             <a:endParaRPr lang="en-US" altLang="en-US" dirty="0">
               <a:latin typeface="Arial" panose="020B0604020202020204" pitchFamily="34" charset="0"/>
             </a:endParaRPr>
@@ -1351,42 +1332,6 @@
           <a:bodyPr/>
           <a:lstStyle/>
           <a:p>
-            <a:pPr>
-              <a:buNone/>
-            </a:pPr>
-            <a:r>
-              <a:rPr lang="en-GB" i="1" dirty="0"/>
-              <a:t>I’ll start with overall usage trends by transport type.</a:t>
-            </a:r>
-            <a:endParaRPr lang="en-GB" dirty="0"/>
-          </a:p>
-          <a:p>
-            <a:pPr>
-              <a:buNone/>
-            </a:pPr>
-            <a:r>
-              <a:rPr lang="en-GB" i="1" dirty="0"/>
-              <a:t>Private transport is still dominant, but it has declined sharply — from roughly 83 percent in 2011 to about 55 percent in 2021.</a:t>
-            </a:r>
-            <a:endParaRPr lang="en-GB" dirty="0"/>
-          </a:p>
-          <a:p>
-            <a:r>
-              <a:rPr lang="en-GB" i="1" dirty="0"/>
-              <a:t>At the same time, working from home increased from around 5.3% to over 30% between 2016 and 2021. In 2021, the number of people working from home accounts for more than 1/3 of the total workers. </a:t>
-            </a:r>
-            <a:r>
-              <a:rPr lang="en-GB" dirty="0"/>
-              <a:t>When we zoom in at people who are still travelling to work in 2021 by excluding WFH people, the number of private vehicle usage actually increased to nearly 87 percent. So what’s really happening is people are travelling less, and they switch more to private vehicles when they travel. </a:t>
-            </a:r>
-          </a:p>
-          <a:p>
-            <a:r>
-              <a:rPr lang="en-GB" dirty="0"/>
-              <a:t>Now zooming in to the residence location, we can see nearly half of people living in the centre of Sydney are now working from home and half of people are using private transport for commuting, while most of people living in regional areas are still working on-site and they mostly use private vehicles for travelling. The public transport infrastructure in these areas may be limited. This leads us to 2 different planning problem. In the centre, we must plan toward all-day, local and orbital frequency instead of just peak hour planning because demand still exists but it’s less predictable as before. They needs public transport that fits modern lifestyles — services that run more consistently throughout the day and connect suburbs to CBD and suburbs to each other. In regional NSW, on the other hand, there are many areas with very limited public transport, so the priority here is providing reliable routes that connect people directly from where they live to key town centres or employment hubs</a:t>
-            </a:r>
-          </a:p>
-          <a:p>
             <a:endParaRPr lang="en-US" altLang="en-US" dirty="0">
               <a:latin typeface="Arial" panose="020B0604020202020204" pitchFamily="34" charset="0"/>
             </a:endParaRPr>
@@ -1502,105 +1447,6 @@
           <a:bodyPr/>
           <a:lstStyle/>
           <a:p>
-            <a:r>
-              <a:rPr lang="en-GB" dirty="0"/>
-              <a:t>Now that we’ve looked at the high-level mode shifts, I want to drill down into the single biggest disruptor for our network: Work From Home. If we want to optimize schedules, we have to understand that the '9-to-5' commuter is no longer a single, predictable block. As you can see in the boxplot here, the shift has been massive but incredibly uneven. In just five years, the median WFH rate across SA2s jumped from around 5% to 30%. But the 'whisker' at the top tells the real story—some areas are now pushing 70%. In high-density spots like Balmain, </a:t>
-            </a:r>
-            <a:r>
-              <a:rPr lang="en-GB" dirty="0" err="1"/>
-              <a:t>Erskineville</a:t>
-            </a:r>
-            <a:r>
-              <a:rPr lang="en-GB" dirty="0"/>
-              <a:t>, and Crows Nest, over two-thirds of the workforce is now working from home. This tells us that demand hasn't just decreased; it has fragmented. What’s particularly interesting is the correlation between WFH and the CBD. The data shows that the workers most likely to work from home are the ones who used to commute often to CBD for work. This confirms that the traditional Monday-to-Friday peak is being weakened, specifically by the professional services sector</a:t>
-            </a:r>
-          </a:p>
-          <a:p>
-            <a:pPr>
-              <a:buNone/>
-            </a:pPr>
-            <a:r>
-              <a:rPr lang="en-GB" dirty="0"/>
-              <a:t>So, what does this mean for NSW Transport? It means the old model of 'peak capacity' is becoming inefficient.</a:t>
-            </a:r>
-          </a:p>
-          <a:p>
-            <a:pPr>
-              <a:buFont typeface="Arial" panose="020B0604020202020204" pitchFamily="34" charset="0"/>
-              <a:buChar char="•"/>
-            </a:pPr>
-            <a:r>
-              <a:rPr lang="en-GB" dirty="0"/>
-              <a:t>Instead of focusing on massive surges at 8:00 AM, we need to shift toward </a:t>
-            </a:r>
-            <a:r>
-              <a:rPr lang="en-GB" b="1" dirty="0"/>
-              <a:t>consistent frequency</a:t>
-            </a:r>
-            <a:r>
-              <a:rPr lang="en-GB" dirty="0"/>
-              <a:t> throughout the day.</a:t>
-            </a:r>
-          </a:p>
-          <a:p>
-            <a:pPr>
-              <a:buFont typeface="Arial" panose="020B0604020202020204" pitchFamily="34" charset="0"/>
-              <a:buChar char="•"/>
-            </a:pPr>
-            <a:r>
-              <a:rPr lang="en-GB" dirty="0"/>
-              <a:t>In these high-WFH areas, people are still moving, but they are moving locally. We should prioritize </a:t>
-            </a:r>
-            <a:r>
-              <a:rPr lang="en-GB" b="1" dirty="0"/>
-              <a:t>local </a:t>
-            </a:r>
-            <a:r>
-              <a:rPr lang="en-GB" b="1" dirty="0" err="1"/>
-              <a:t>neighborhood</a:t>
-            </a:r>
-            <a:r>
-              <a:rPr lang="en-GB" b="1" dirty="0"/>
-              <a:t> connections</a:t>
-            </a:r>
-            <a:r>
-              <a:rPr lang="en-GB" dirty="0"/>
-              <a:t> rather than just hub-to-CBD funnels.</a:t>
-            </a:r>
-          </a:p>
-          <a:p>
-            <a:pPr>
-              <a:buFont typeface="Arial" panose="020B0604020202020204" pitchFamily="34" charset="0"/>
-              <a:buChar char="•"/>
-            </a:pPr>
-            <a:r>
-              <a:rPr lang="en-GB" dirty="0"/>
-              <a:t>Conversely, as we'll see in my next section on Bus Prioritisation, we need to double down on areas with </a:t>
-            </a:r>
-            <a:r>
-              <a:rPr lang="en-GB" i="1" dirty="0"/>
-              <a:t>low</a:t>
-            </a:r>
-            <a:r>
-              <a:rPr lang="en-GB" dirty="0"/>
-              <a:t> WFH potential—like our outer suburbs—where physical commuting is still a daily necessity."</a:t>
-            </a:r>
-          </a:p>
-          <a:p>
-            <a:r>
-              <a:rPr lang="en-GB" dirty="0"/>
-              <a:t>This brings us to the core question: if WFH has reduced demand in the </a:t>
-            </a:r>
-            <a:r>
-              <a:rPr lang="en-GB" dirty="0" err="1"/>
-              <a:t>center</a:t>
-            </a:r>
-            <a:r>
-              <a:rPr lang="en-GB" dirty="0"/>
-              <a:t>, where exactly should we be moving our resources to get the best return on investment? Let's look at the top locations for new bus routes."</a:t>
-            </a:r>
-          </a:p>
-          <a:p>
             <a:endParaRPr lang="en-US" altLang="en-US" dirty="0">
               <a:latin typeface="Arial" panose="020B0604020202020204" pitchFamily="34" charset="0"/>
             </a:endParaRPr>
@@ -1719,261 +1565,6 @@
             <a:pPr>
               <a:buNone/>
             </a:pPr>
-            <a:r>
-              <a:rPr lang="en-GB" sz="1800" i="1" dirty="0">
-                <a:effectLst/>
-                <a:latin typeface="Times New Roman" panose="02020603050405020304" pitchFamily="18" charset="0"/>
-                <a:ea typeface="Times New Roman" panose="02020603050405020304" pitchFamily="18" charset="0"/>
-              </a:rPr>
-              <a:t>In order to come up with potential areas for new bus routes, Rather than ranking locations by a single metric, I built a composite ‘bus candidate score’ to identify where a new bus route would likely deliver the strongest return.</a:t>
-            </a:r>
-            <a:endParaRPr lang="en-GB" sz="1800" dirty="0">
-              <a:effectLst/>
-              <a:latin typeface="Times New Roman" panose="02020603050405020304" pitchFamily="18" charset="0"/>
-              <a:ea typeface="Times New Roman" panose="02020603050405020304" pitchFamily="18" charset="0"/>
-            </a:endParaRPr>
-          </a:p>
-          <a:p>
-            <a:pPr>
-              <a:buNone/>
-            </a:pPr>
-            <a:r>
-              <a:rPr lang="en-GB" sz="1800" i="1" dirty="0">
-                <a:effectLst/>
-                <a:latin typeface="Times New Roman" panose="02020603050405020304" pitchFamily="18" charset="0"/>
-                <a:ea typeface="Times New Roman" panose="02020603050405020304" pitchFamily="18" charset="0"/>
-              </a:rPr>
-              <a:t>The reason for using a composite score is that no single factor tells the full story.</a:t>
-            </a:r>
-            <a:br>
-              <a:rPr lang="en-GB" sz="1800" dirty="0">
-                <a:effectLst/>
-                <a:latin typeface="Times New Roman" panose="02020603050405020304" pitchFamily="18" charset="0"/>
-                <a:ea typeface="Times New Roman" panose="02020603050405020304" pitchFamily="18" charset="0"/>
-              </a:rPr>
-            </a:br>
-            <a:r>
-              <a:rPr lang="en-GB" sz="1800" dirty="0">
-                <a:effectLst/>
-                <a:latin typeface="Times New Roman" panose="02020603050405020304" pitchFamily="18" charset="0"/>
-                <a:ea typeface="Times New Roman" panose="02020603050405020304" pitchFamily="18" charset="0"/>
-              </a:rPr>
-              <a:t>First, CBD commuter volume tells us where there is already real, proven demand </a:t>
-            </a:r>
-          </a:p>
-          <a:p>
-            <a:r>
-              <a:rPr lang="en-GB" sz="1800" dirty="0">
-                <a:effectLst/>
-                <a:latin typeface="Times New Roman" panose="02020603050405020304" pitchFamily="18" charset="0"/>
-                <a:ea typeface="Times New Roman" panose="02020603050405020304" pitchFamily="18" charset="0"/>
-              </a:rPr>
-              <a:t>Then, we look at CBD growth to understand which areas are recovering and likely to remain relevant, especially after the shift to work-from-home.</a:t>
-            </a:r>
-            <a:br>
-              <a:rPr lang="en-GB" sz="1800" dirty="0">
-                <a:effectLst/>
-                <a:latin typeface="Times New Roman" panose="02020603050405020304" pitchFamily="18" charset="0"/>
-                <a:ea typeface="Times New Roman" panose="02020603050405020304" pitchFamily="18" charset="0"/>
-              </a:rPr>
-            </a:br>
-            <a:r>
-              <a:rPr lang="en-GB" sz="1800" dirty="0">
-                <a:effectLst/>
-                <a:latin typeface="Times New Roman" panose="02020603050405020304" pitchFamily="18" charset="0"/>
-                <a:ea typeface="Times New Roman" panose="02020603050405020304" pitchFamily="18" charset="0"/>
-              </a:rPr>
-              <a:t>Public transport share helps us identify areas that may be underserved today, where a direct bus could realistically capture demand.</a:t>
-            </a:r>
-            <a:br>
-              <a:rPr lang="en-GB" sz="1800" dirty="0">
-                <a:effectLst/>
-                <a:latin typeface="Times New Roman" panose="02020603050405020304" pitchFamily="18" charset="0"/>
-                <a:ea typeface="Times New Roman" panose="02020603050405020304" pitchFamily="18" charset="0"/>
-              </a:rPr>
-            </a:br>
-            <a:r>
-              <a:rPr lang="en-GB" sz="1800" dirty="0">
-                <a:effectLst/>
-                <a:latin typeface="Times New Roman" panose="02020603050405020304" pitchFamily="18" charset="0"/>
-                <a:ea typeface="Times New Roman" panose="02020603050405020304" pitchFamily="18" charset="0"/>
-              </a:rPr>
-              <a:t>Work-from-home rates act as a reality check, so we don’t over-invest in locations where commuting demand may be structurally lower.</a:t>
-            </a:r>
-            <a:br>
-              <a:rPr lang="en-GB" sz="1800" dirty="0">
-                <a:effectLst/>
-                <a:latin typeface="Times New Roman" panose="02020603050405020304" pitchFamily="18" charset="0"/>
-                <a:ea typeface="Times New Roman" panose="02020603050405020304" pitchFamily="18" charset="0"/>
-              </a:rPr>
-            </a:br>
-            <a:r>
-              <a:rPr lang="en-GB" sz="1800" dirty="0">
-                <a:effectLst/>
-                <a:latin typeface="Times New Roman" panose="02020603050405020304" pitchFamily="18" charset="0"/>
-                <a:ea typeface="Times New Roman" panose="02020603050405020304" pitchFamily="18" charset="0"/>
-              </a:rPr>
-              <a:t>And finally, mixed-mode travel shows where people are already combining car and public transport, which suggests they’re more open to switching if a better option is available.</a:t>
-            </a:r>
-            <a:endParaRPr lang="en-GB" sz="1200" b="1" dirty="0">
-              <a:latin typeface="Arial Nova" panose="020B0504020202020204" pitchFamily="34" charset="0"/>
-            </a:endParaRPr>
-          </a:p>
-          <a:p>
-            <a:pPr marL="171450" indent="-171450">
-              <a:buFont typeface="Arial" panose="020B0604020202020204" pitchFamily="34" charset="0"/>
-              <a:buChar char="•"/>
-            </a:pPr>
-            <a:r>
-              <a:rPr lang="en-GB" sz="1200" b="1" dirty="0" err="1">
-                <a:latin typeface="Arial Nova" panose="020B0504020202020204" pitchFamily="34" charset="0"/>
-              </a:rPr>
-              <a:t>Erskineville</a:t>
-            </a:r>
-            <a:r>
-              <a:rPr lang="en-GB" sz="1200" b="1" dirty="0">
-                <a:latin typeface="Arial Nova" panose="020B0504020202020204" pitchFamily="34" charset="0"/>
-              </a:rPr>
-              <a:t>–Alexandria, Potts Point–Woolloomooloo, and Glebe–Forest Lodge </a:t>
-            </a:r>
-            <a:r>
-              <a:rPr lang="en-GB" dirty="0"/>
-              <a:t>due to </a:t>
-            </a:r>
-            <a:r>
-              <a:rPr lang="en-GB" b="1" dirty="0"/>
-              <a:t>high absolute volumes of CBD-bound commuters combined with very low public transport share</a:t>
-            </a:r>
-            <a:r>
-              <a:rPr lang="en-GB" dirty="0"/>
-              <a:t>, indicating strong demand but declining confidence in PT despite proximity to the CBD.</a:t>
-            </a:r>
-            <a:endParaRPr lang="en-GB" sz="1200" dirty="0">
-              <a:latin typeface="Arial Nova" panose="020B0504020202020204" pitchFamily="34" charset="0"/>
-            </a:endParaRPr>
-          </a:p>
-          <a:p>
-            <a:pPr marL="171450" indent="-171450">
-              <a:buFont typeface="Arial" panose="020B0604020202020204" pitchFamily="34" charset="0"/>
-              <a:buChar char="•"/>
-            </a:pPr>
-            <a:r>
-              <a:rPr lang="en-GB" b="1" dirty="0"/>
-              <a:t>Sydney South–Haymarket, Surry Hills, and Waterloo</a:t>
-            </a:r>
-            <a:r>
-              <a:rPr lang="en-GB" dirty="0"/>
-              <a:t> — is driven by </a:t>
-            </a:r>
-            <a:r>
-              <a:rPr lang="en-GB" b="1" dirty="0"/>
-              <a:t>low work-from-home</a:t>
-            </a:r>
-            <a:r>
-              <a:rPr lang="en-GB" dirty="0"/>
-              <a:t>. People still need to travel in person, but the mode choice is shifting toward cars, making targeted bus improvements a high-impact lever.</a:t>
-            </a:r>
-          </a:p>
-          <a:p>
-            <a:pPr marL="171450" indent="-171450">
-              <a:buFont typeface="Arial" panose="020B0604020202020204" pitchFamily="34" charset="0"/>
-              <a:buChar char="•"/>
-            </a:pPr>
-            <a:r>
-              <a:rPr lang="en-GB" sz="1200" b="1" dirty="0">
-                <a:latin typeface="Arial Nova" panose="020B0504020202020204" pitchFamily="34" charset="0"/>
-              </a:rPr>
-              <a:t>Port Macquarie–West </a:t>
-            </a:r>
-            <a:r>
-              <a:rPr lang="en-GB" sz="1200" dirty="0">
-                <a:latin typeface="Arial Nova" panose="020B0504020202020204" pitchFamily="34" charset="0"/>
-              </a:rPr>
-              <a:t>is the only regional SA2 in the top 10 because of </a:t>
-            </a:r>
-            <a:r>
-              <a:rPr lang="en-GB" sz="1200" b="1" dirty="0">
-                <a:latin typeface="Arial Nova" panose="020B0504020202020204" pitchFamily="34" charset="0"/>
-              </a:rPr>
-              <a:t>low PT share (&lt;1%) </a:t>
-            </a:r>
-            <a:r>
-              <a:rPr lang="en-GB" sz="1200" dirty="0">
-                <a:latin typeface="Arial Nova" panose="020B0504020202020204" pitchFamily="34" charset="0"/>
-              </a:rPr>
-              <a:t>and </a:t>
-            </a:r>
-            <a:r>
-              <a:rPr lang="en-GB" sz="1200" b="1" dirty="0">
-                <a:latin typeface="Arial Nova" panose="020B0504020202020204" pitchFamily="34" charset="0"/>
-              </a:rPr>
-              <a:t>low WFH rates </a:t>
-            </a:r>
-            <a:r>
-              <a:rPr lang="en-GB" sz="1200" dirty="0">
-                <a:latin typeface="Arial Nova" panose="020B0504020202020204" pitchFamily="34" charset="0"/>
-              </a:rPr>
-              <a:t>(10–12%). This suggests </a:t>
-            </a:r>
-            <a:r>
-              <a:rPr lang="en-GB" b="1" dirty="0"/>
-              <a:t>structural transport constraints</a:t>
-            </a:r>
-            <a:r>
-              <a:rPr lang="en-GB" dirty="0"/>
-              <a:t> in this area like limited service frequency.</a:t>
-            </a:r>
-            <a:endParaRPr lang="en-GB" sz="1200" dirty="0">
-              <a:latin typeface="Arial Nova" panose="020B0504020202020204" pitchFamily="34" charset="0"/>
-            </a:endParaRPr>
-          </a:p>
-          <a:p>
-            <a:r>
-              <a:rPr lang="en-GB" dirty="0"/>
-              <a:t>This reinforces two different policy implications:</a:t>
-            </a:r>
-            <a:br>
-              <a:rPr lang="en-GB" dirty="0"/>
-            </a:br>
-            <a:r>
-              <a:rPr lang="en-GB" dirty="0"/>
-              <a:t>For </a:t>
-            </a:r>
-            <a:r>
-              <a:rPr lang="en-GB" b="1" dirty="0"/>
-              <a:t>inner-metro Sydney</a:t>
-            </a:r>
-            <a:r>
-              <a:rPr lang="en-GB" dirty="0"/>
-              <a:t>, the opportunity is to </a:t>
-            </a:r>
-            <a:r>
-              <a:rPr lang="en-GB" b="1" dirty="0"/>
-              <a:t>win back mode share</a:t>
-            </a:r>
-            <a:r>
-              <a:rPr lang="en-GB" dirty="0"/>
-              <a:t> through faster, more reliable bus services.</a:t>
-            </a:r>
-            <a:br>
-              <a:rPr lang="en-GB" dirty="0"/>
-            </a:br>
-            <a:r>
-              <a:rPr lang="en-GB" dirty="0"/>
-              <a:t>For </a:t>
-            </a:r>
-            <a:r>
-              <a:rPr lang="en-GB" b="1" dirty="0"/>
-              <a:t>regional areas like Port Macquarie</a:t>
-            </a:r>
-            <a:r>
-              <a:rPr lang="en-GB" dirty="0"/>
-              <a:t>, the opportunity is </a:t>
-            </a:r>
-            <a:r>
-              <a:rPr lang="en-GB" b="1" dirty="0"/>
-              <a:t>hub-based or town-to-centre services</a:t>
-            </a:r>
             <a:endParaRPr lang="en-US" altLang="en-US" dirty="0">
               <a:latin typeface="Arial" panose="020B0604020202020204" pitchFamily="34" charset="0"/>
             </a:endParaRPr>
@@ -2089,114 +1680,6 @@
           <a:bodyPr/>
           <a:lstStyle/>
           <a:p>
-            <a:r>
-              <a:rPr lang="en-GB" dirty="0"/>
-              <a:t>Up to this point, the analysis has been based on Census snapshot of 3 years, which can’t tell us how behaviour is changing week to week or day to day. With the support of </a:t>
-            </a:r>
-            <a:r>
-              <a:rPr lang="en-GB" dirty="0" err="1"/>
-              <a:t>CommBankiQ</a:t>
-            </a:r>
-            <a:r>
-              <a:rPr lang="en-GB" dirty="0"/>
-              <a:t> transactional data, by analysing the timing and location of spend, we can validate how often people are physically travelling, which days of the week demand is strongest, and whether trips are happening during traditional peaks or shifting into off-peak periods. Secondly, our data only has the destinations as the workplace, but not the destinations for other activities. Therefore, having the transactional data gives us the access to where people spend their money so that we can plan the PT schedule more efficiently. Lastly, </a:t>
-            </a:r>
-            <a:r>
-              <a:rPr lang="en-GB" dirty="0" err="1"/>
-              <a:t>CommBankIQ</a:t>
-            </a:r>
-            <a:r>
-              <a:rPr lang="en-GB" dirty="0"/>
-              <a:t> can offer </a:t>
-            </a:r>
-            <a:r>
-              <a:rPr lang="en-GB" dirty="0" err="1"/>
-              <a:t>custoners</a:t>
-            </a:r>
-            <a:r>
-              <a:rPr lang="en-GB" dirty="0"/>
-              <a:t>’ spending </a:t>
-            </a:r>
-            <a:r>
-              <a:rPr lang="en-GB" dirty="0" err="1"/>
-              <a:t>behavior</a:t>
-            </a:r>
-            <a:r>
-              <a:rPr lang="en-GB" dirty="0"/>
-              <a:t>. For example, we can identify where people often spend more on high toll and parking because it is potential to convert them into public transport passengers. </a:t>
-            </a:r>
-          </a:p>
-          <a:p>
-            <a:pPr marL="0" marR="0" lvl="0" indent="0" algn="l" defTabSz="914400" rtl="0" eaLnBrk="1" fontAlgn="base" latinLnBrk="0" hangingPunct="1">
-              <a:lnSpc>
-                <a:spcPct val="100000"/>
-              </a:lnSpc>
-              <a:spcBef>
-                <a:spcPct val="30000"/>
-              </a:spcBef>
-              <a:spcAft>
-                <a:spcPct val="0"/>
-              </a:spcAft>
-              <a:buClrTx/>
-              <a:buSzTx/>
-              <a:buFontTx/>
-              <a:buNone/>
-              <a:tabLst/>
-              <a:defRPr/>
-            </a:pPr>
-            <a:r>
-              <a:rPr lang="en-GB" altLang="en-US" dirty="0">
-                <a:latin typeface="Arial" panose="020B0604020202020204" pitchFamily="34" charset="0"/>
-              </a:rPr>
-              <a:t>Besides </a:t>
-            </a:r>
-            <a:r>
-              <a:rPr lang="en-GB" altLang="en-US" dirty="0" err="1">
-                <a:latin typeface="Arial" panose="020B0604020202020204" pitchFamily="34" charset="0"/>
-              </a:rPr>
-              <a:t>CommBankiQ</a:t>
-            </a:r>
-            <a:r>
-              <a:rPr lang="en-GB" altLang="en-US" dirty="0">
-                <a:latin typeface="Arial" panose="020B0604020202020204" pitchFamily="34" charset="0"/>
-              </a:rPr>
-              <a:t> transactional data, there are other </a:t>
-            </a:r>
-            <a:r>
-              <a:rPr lang="en-GB" altLang="en-US" dirty="0" err="1">
-                <a:latin typeface="Arial" panose="020B0604020202020204" pitchFamily="34" charset="0"/>
-              </a:rPr>
-              <a:t>dasetsets</a:t>
-            </a:r>
-            <a:r>
-              <a:rPr lang="en-GB" altLang="en-US" dirty="0">
-                <a:latin typeface="Arial" panose="020B0604020202020204" pitchFamily="34" charset="0"/>
-              </a:rPr>
-              <a:t> which supports the planning as well. Having the data of people tapping on and off Opal card can provide us a more accurate public transport demand in each location. Furthermore, Road congestion data shows places where buses have competitive advantages in travel time vs private </a:t>
-            </a:r>
-            <a:r>
-              <a:rPr lang="en-GB" altLang="en-US" dirty="0" err="1">
-                <a:latin typeface="Arial" panose="020B0604020202020204" pitchFamily="34" charset="0"/>
-              </a:rPr>
-              <a:t>vehichle</a:t>
-            </a:r>
-            <a:r>
-              <a:rPr lang="en-GB" altLang="en-US" dirty="0">
-                <a:latin typeface="Arial" panose="020B0604020202020204" pitchFamily="34" charset="0"/>
-              </a:rPr>
-              <a:t>, thanks to dedicated bus lanes. Last but not least, the land use and growth forecasts data is useful for planning to meet the future demand, and major CBD event can help model temporary demand spikes. </a:t>
-            </a:r>
-            <a:r>
-              <a:rPr lang="en-GB" sz="1800" kern="100" dirty="0">
-                <a:effectLst/>
-                <a:latin typeface="Aptos" panose="020B0004020202020204" pitchFamily="34" charset="0"/>
-                <a:ea typeface="Aptos" panose="020B0004020202020204" pitchFamily="34" charset="0"/>
-                <a:cs typeface="Times New Roman" panose="02020603050405020304" pitchFamily="18" charset="0"/>
-              </a:rPr>
-              <a:t>With this real-time intelligence, we move from observation to action. Here is our three-phase roadmap to transform this network</a:t>
-            </a:r>
-          </a:p>
-          <a:p>
             <a:endParaRPr lang="en-US" altLang="en-US" dirty="0">
               <a:latin typeface="Arial" panose="020B0604020202020204" pitchFamily="34" charset="0"/>
             </a:endParaRPr>
@@ -2311,127 +1794,6 @@
         <p:txBody>
           <a:bodyPr/>
           <a:lstStyle/>
-          <a:p>
-            <a:r>
-              <a:rPr lang="en-GB" altLang="en-US" dirty="0">
-                <a:latin typeface="Arial" panose="020B0604020202020204" pitchFamily="34" charset="0"/>
-              </a:rPr>
-              <a:t>My recommendations are built upon 3 phases, which are immediate actions, short-term program, and medium term plan. For phase 1, we focus on validating our analysis. We can use toll and fuel transaction data from CommBank IQ to target the areas where people are more likely to switch to public transport for expansion plan. Also, we build a more detailed and accurate timetable to meet the uneven demand based on the transaction timestamps. Furthermore, we can deep dive in persona data to gain insights between WFH professionals and On-site workers to understand what they need and tailor our services to satisfy their travelling demand. </a:t>
-            </a:r>
-          </a:p>
-          <a:p>
-            <a:r>
-              <a:rPr lang="en-GB" altLang="en-US" dirty="0">
-                <a:latin typeface="Arial" panose="020B0604020202020204" pitchFamily="34" charset="0"/>
-              </a:rPr>
-              <a:t>In phase 2, we can build a short pilot program with some incentives at the 10 potential suburbs to capture the commuters using private vehicles, and establish more shuttle bus in suburbs where most people WFH. </a:t>
-            </a:r>
-          </a:p>
-          <a:p>
-            <a:pPr>
-              <a:buFont typeface="Arial" panose="020B0604020202020204" pitchFamily="34" charset="0"/>
-              <a:buChar char="•"/>
-            </a:pPr>
-            <a:r>
-              <a:rPr lang="en-GB" altLang="en-US" dirty="0">
-                <a:latin typeface="Arial" panose="020B0604020202020204" pitchFamily="34" charset="0"/>
-              </a:rPr>
-              <a:t>Phase 3 focus on further analysis for long-term planning. First, we can </a:t>
-            </a:r>
-            <a:r>
-              <a:rPr lang="en-GB" dirty="0"/>
-              <a:t>create a unified data layer merging Opal tap-on data with </a:t>
-            </a:r>
-            <a:r>
-              <a:rPr lang="en-GB" dirty="0" err="1"/>
-              <a:t>CBAiQ</a:t>
-            </a:r>
-            <a:r>
-              <a:rPr lang="en-GB" dirty="0"/>
-              <a:t> merchant spending to identify where people are traveling but </a:t>
-            </a:r>
-            <a:r>
-              <a:rPr lang="en-GB" i="1" dirty="0"/>
-              <a:t>not</a:t>
-            </a:r>
-            <a:r>
-              <a:rPr lang="en-GB" dirty="0"/>
-              <a:t> using public </a:t>
-            </a:r>
-            <a:r>
-              <a:rPr lang="en-GB" dirty="0" err="1"/>
-              <a:t>transport,meaning</a:t>
-            </a:r>
-            <a:r>
-              <a:rPr lang="en-GB" dirty="0"/>
-              <a:t> that the demand is high but transport accessibility is a barrier, to launch targeted infrastructure projects (e.g., dedicated bus lanes or new interchanges). Second, Looking further out, we want to move toward </a:t>
-            </a:r>
-            <a:r>
-              <a:rPr lang="en-GB" b="1" dirty="0"/>
-              <a:t>Predictive Infrastructure</a:t>
-            </a:r>
-            <a:r>
-              <a:rPr lang="en-GB" dirty="0"/>
-              <a:t>. By combining building approvals with our residential growth data, we can actually design bus routes </a:t>
-            </a:r>
-            <a:r>
-              <a:rPr lang="en-GB" i="1" dirty="0"/>
-              <a:t>before</a:t>
-            </a:r>
-            <a:r>
-              <a:rPr lang="en-GB" dirty="0"/>
-              <a:t> people move into new developments.</a:t>
-            </a:r>
-          </a:p>
-          <a:p>
-            <a:pPr>
-              <a:buNone/>
-            </a:pPr>
-            <a:r>
-              <a:rPr lang="en-GB" dirty="0"/>
-              <a:t>Now, to ensure these recommendations are successful, we must be transparent about the constraints of our current data so we can proactively manage the risks of implementation. First, we recognize that Census data is a </a:t>
-            </a:r>
-            <a:r>
-              <a:rPr lang="en-GB" b="1" dirty="0"/>
-              <a:t>static snapshot</a:t>
-            </a:r>
-            <a:r>
-              <a:rPr lang="en-GB" dirty="0"/>
-              <a:t>—it doesn't capture seasonal variations.” There is also </a:t>
-            </a:r>
-            <a:r>
-              <a:rPr lang="en-GB" b="1" dirty="0" err="1"/>
-              <a:t>Behavioral</a:t>
-            </a:r>
-            <a:r>
-              <a:rPr lang="en-GB" b="1" dirty="0"/>
-              <a:t> Inertia</a:t>
-            </a:r>
-            <a:r>
-              <a:rPr lang="en-GB" dirty="0"/>
-              <a:t> to consider; even with perfect data, it takes time for people to change their established habits.” Finally, we acknowledge </a:t>
-            </a:r>
-            <a:r>
-              <a:rPr lang="en-GB" b="1" dirty="0"/>
-              <a:t>Operational Lead Times</a:t>
-            </a:r>
-            <a:r>
-              <a:rPr lang="en-GB" dirty="0"/>
-              <a:t>. Procuring a fleet and recruiting drivers can take months, which is exactly why we recommend acting on these data-driven insights now to meet the demand of the future.</a:t>
-            </a:r>
-          </a:p>
-          <a:p>
-            <a:pPr>
-              <a:buFont typeface="Arial" panose="020B0604020202020204" pitchFamily="34" charset="0"/>
-              <a:buChar char="•"/>
-            </a:pPr>
-            <a:endParaRPr lang="en-GB" dirty="0"/>
-          </a:p>
-          <a:p>
-            <a:endParaRPr lang="en-GB" altLang="en-US" dirty="0">
-              <a:latin typeface="Arial" panose="020B0604020202020204" pitchFamily="34" charset="0"/>
-            </a:endParaRPr>
-          </a:p>
           <a:p>
             <a:endParaRPr lang="en-US" altLang="en-US" dirty="0">
               <a:latin typeface="Arial" panose="020B0604020202020204" pitchFamily="34" charset="0"/>
